--- a/Präsentationen/Testing_Usability.pptx
+++ b/Präsentationen/Testing_Usability.pptx
@@ -5610,7 +5610,7 @@
           <a:p>
             <a:fld id="{8FF4FCE1-4EF8-41B8-AFE3-2FB1CDF723DD}" type="datetimeFigureOut">
               <a:rPr lang="de-CH" smtClean="0"/>
-              <a:t>10.05.2022</a:t>
+              <a:t>11.05.2022</a:t>
             </a:fld>
             <a:endParaRPr lang="de-CH"/>
           </a:p>
@@ -5922,34 +5922,7 @@
           <a:bodyPr/>
           <a:lstStyle/>
           <a:p>
-            <a:r>
-              <a:rPr lang="de-CH" dirty="0"/>
-              <a:t>Hallo, mein Name ist Martin und ich arbeite im Team mit Lena, </a:t>
-            </a:r>
-            <a:r>
-              <a:rPr lang="de-CH" dirty="0" err="1"/>
-              <a:t>Marula</a:t>
-            </a:r>
-            <a:r>
-              <a:rPr lang="de-CH" dirty="0"/>
-              <a:t>, Florin und Merlin am Projekt Überleitungstool für CHOP Kataloge von </a:t>
-            </a:r>
-            <a:r>
-              <a:rPr lang="de-CH" dirty="0" err="1"/>
-              <a:t>SwissDRG</a:t>
-            </a:r>
-            <a:r>
-              <a:rPr lang="de-CH" dirty="0"/>
-              <a:t>. Heute werdet ihr erfahren wie Unser Team mit dem Thema Qualitätssicherung, genauer gesagt </a:t>
-            </a:r>
-            <a:r>
-              <a:rPr lang="de-CH" dirty="0" err="1"/>
-              <a:t>Testing</a:t>
-            </a:r>
-            <a:r>
-              <a:rPr lang="de-CH" dirty="0"/>
-              <a:t> und Usability vorgeht.</a:t>
-            </a:r>
+            <a:endParaRPr lang="de-CH" dirty="0"/>
           </a:p>
         </p:txBody>
       </p:sp>
@@ -6033,202 +6006,6 @@
           <a:bodyPr/>
           <a:lstStyle/>
           <a:p>
-            <a:r>
-              <a:rPr lang="en-US" dirty="0"/>
-              <a:t>Das </a:t>
-            </a:r>
-            <a:r>
-              <a:rPr lang="en-US" dirty="0" err="1"/>
-              <a:t>ist</a:t>
-            </a:r>
-            <a:r>
-              <a:rPr lang="en-US" dirty="0"/>
-              <a:t> </a:t>
-            </a:r>
-            <a:r>
-              <a:rPr lang="en-US" dirty="0" err="1"/>
-              <a:t>ein</a:t>
-            </a:r>
-            <a:r>
-              <a:rPr lang="en-US" dirty="0"/>
-              <a:t> </a:t>
-            </a:r>
-            <a:r>
-              <a:rPr lang="en-US" dirty="0" err="1"/>
-              <a:t>Weiteres</a:t>
-            </a:r>
-            <a:r>
-              <a:rPr lang="en-US" dirty="0"/>
-              <a:t> </a:t>
-            </a:r>
-            <a:r>
-              <a:rPr lang="en-US" dirty="0" err="1"/>
-              <a:t>Beispiel</a:t>
-            </a:r>
-            <a:r>
-              <a:rPr lang="en-US" dirty="0"/>
-              <a:t> </a:t>
-            </a:r>
-            <a:r>
-              <a:rPr lang="en-US" dirty="0" err="1"/>
-              <a:t>aus</a:t>
-            </a:r>
-            <a:r>
-              <a:rPr lang="en-US" dirty="0"/>
-              <a:t> </a:t>
-            </a:r>
-            <a:r>
-              <a:rPr lang="en-US" dirty="0" err="1"/>
-              <a:t>unserem</a:t>
-            </a:r>
-            <a:r>
-              <a:rPr lang="en-US" dirty="0"/>
-              <a:t> </a:t>
-            </a:r>
-            <a:r>
-              <a:rPr lang="en-US" dirty="0" err="1"/>
-              <a:t>Projekt</a:t>
-            </a:r>
-            <a:r>
-              <a:rPr lang="en-US" dirty="0"/>
-              <a:t>. Was </a:t>
-            </a:r>
-            <a:r>
-              <a:rPr lang="en-US" dirty="0" err="1"/>
-              <a:t>bei</a:t>
-            </a:r>
-            <a:r>
-              <a:rPr lang="en-US" dirty="0"/>
-              <a:t> </a:t>
-            </a:r>
-            <a:r>
-              <a:rPr lang="en-US" dirty="0" err="1"/>
-              <a:t>diesem</a:t>
-            </a:r>
-            <a:r>
-              <a:rPr lang="en-US" dirty="0"/>
-              <a:t> Test </a:t>
-            </a:r>
-            <a:r>
-              <a:rPr lang="en-US" dirty="0" err="1"/>
-              <a:t>auffällt</a:t>
-            </a:r>
-            <a:r>
-              <a:rPr lang="en-US" dirty="0"/>
-              <a:t>, </a:t>
-            </a:r>
-            <a:r>
-              <a:rPr lang="en-US" dirty="0" err="1"/>
-              <a:t>dass</a:t>
-            </a:r>
-            <a:r>
-              <a:rPr lang="en-US" dirty="0"/>
-              <a:t> der </a:t>
-            </a:r>
-            <a:r>
-              <a:rPr lang="en-US" dirty="0" err="1"/>
-              <a:t>Katalog</a:t>
-            </a:r>
-            <a:r>
-              <a:rPr lang="en-US" dirty="0"/>
-              <a:t> in der </a:t>
-            </a:r>
-            <a:r>
-              <a:rPr lang="en-US" dirty="0" err="1"/>
-              <a:t>Datenbank</a:t>
-            </a:r>
-            <a:r>
-              <a:rPr lang="en-US" dirty="0"/>
-              <a:t> </a:t>
-            </a:r>
-            <a:r>
-              <a:rPr lang="en-US" dirty="0" err="1"/>
-              <a:t>gespeichert</a:t>
-            </a:r>
-            <a:r>
-              <a:rPr lang="en-US" dirty="0"/>
-              <a:t> wird. Das </a:t>
-            </a:r>
-            <a:r>
-              <a:rPr lang="en-US" dirty="0" err="1"/>
-              <a:t>gäbe</a:t>
-            </a:r>
-            <a:r>
-              <a:rPr lang="en-US" dirty="0"/>
-              <a:t> </a:t>
-            </a:r>
-            <a:r>
-              <a:rPr lang="en-US" dirty="0" err="1"/>
-              <a:t>probleme</a:t>
-            </a:r>
-            <a:r>
-              <a:rPr lang="en-US" dirty="0"/>
-              <a:t> </a:t>
-            </a:r>
-            <a:r>
-              <a:rPr lang="en-US" dirty="0" err="1"/>
-              <a:t>wenn</a:t>
-            </a:r>
-            <a:r>
-              <a:rPr lang="en-US" dirty="0"/>
-              <a:t> die </a:t>
-            </a:r>
-            <a:r>
-              <a:rPr lang="en-US" dirty="0" err="1"/>
-              <a:t>Datenbank</a:t>
-            </a:r>
-            <a:r>
-              <a:rPr lang="en-US" dirty="0"/>
-              <a:t> </a:t>
-            </a:r>
-            <a:r>
-              <a:rPr lang="en-US" dirty="0" err="1"/>
-              <a:t>schon</a:t>
-            </a:r>
-            <a:r>
-              <a:rPr lang="en-US" dirty="0"/>
-              <a:t> </a:t>
-            </a:r>
-            <a:r>
-              <a:rPr lang="en-US" dirty="0" err="1"/>
-              <a:t>voll</a:t>
-            </a:r>
-            <a:r>
-              <a:rPr lang="en-US" dirty="0"/>
-              <a:t> wäre, </a:t>
-            </a:r>
-            <a:r>
-              <a:rPr lang="en-US" dirty="0" err="1"/>
-              <a:t>darum</a:t>
-            </a:r>
-            <a:r>
-              <a:rPr lang="en-US" dirty="0"/>
-              <a:t> wird </a:t>
-            </a:r>
-            <a:r>
-              <a:rPr lang="en-US" dirty="0" err="1"/>
-              <a:t>eine</a:t>
-            </a:r>
-            <a:r>
-              <a:rPr lang="en-US" dirty="0"/>
-              <a:t> Separate </a:t>
-            </a:r>
-            <a:r>
-              <a:rPr lang="en-US" dirty="0" err="1"/>
-              <a:t>Testdatenbank</a:t>
-            </a:r>
-            <a:r>
-              <a:rPr lang="en-US" dirty="0"/>
-              <a:t> </a:t>
-            </a:r>
-            <a:r>
-              <a:rPr lang="en-US" dirty="0" err="1"/>
-              <a:t>verwendet</a:t>
-            </a:r>
-            <a:r>
-              <a:rPr lang="en-US" dirty="0"/>
-              <a:t>.</a:t>
-            </a:r>
             <a:endParaRPr lang="en-CH" dirty="0"/>
           </a:p>
         </p:txBody>
@@ -6313,38 +6090,7 @@
           <a:bodyPr/>
           <a:lstStyle/>
           <a:p>
-            <a:r>
-              <a:rPr lang="de-CH" dirty="0" err="1"/>
-              <a:t>Jenachdem</a:t>
-            </a:r>
-            <a:r>
-              <a:rPr lang="de-CH" dirty="0"/>
-              <a:t> in welchem Environment wir das Model brauchen wird eine andere Datenbank verwendet. Die Testdatenbank wird immer nach dem Testen wieder auf die Ausgangsposition zurückgesetzt und so kann garantiert werden, dass die Tests immer gleich ausgeführt werden. Es ist nun ersichtlich dass mehr </a:t>
-            </a:r>
-            <a:r>
-              <a:rPr lang="de-CH" dirty="0" err="1"/>
-              <a:t>komplexität</a:t>
-            </a:r>
-            <a:r>
-              <a:rPr lang="de-CH" dirty="0"/>
-              <a:t> entstanden ist. Wenn ein Test scheitert ist es nicht mehr sehr offensichtlich was passiert ist. Es könnte </a:t>
-            </a:r>
-            <a:r>
-              <a:rPr lang="de-CH" dirty="0" err="1"/>
-              <a:t>nämmlich</a:t>
-            </a:r>
-            <a:r>
-              <a:rPr lang="de-CH" dirty="0"/>
-              <a:t> auch sein dass wir vergessen haben die Datenbank zu starten oder dass sie </a:t>
-            </a:r>
-            <a:r>
-              <a:rPr lang="de-CH" dirty="0" err="1"/>
-              <a:t>abgestürtz</a:t>
-            </a:r>
-            <a:r>
-              <a:rPr lang="de-CH" dirty="0"/>
-              <a:t> ist. </a:t>
-            </a:r>
+            <a:endParaRPr lang="de-CH" dirty="0"/>
           </a:p>
         </p:txBody>
       </p:sp>
@@ -6428,10 +6174,7 @@
           <a:bodyPr/>
           <a:lstStyle/>
           <a:p>
-            <a:r>
-              <a:rPr lang="de-CH" dirty="0"/>
-              <a:t>Wir haben uns also in der Pyramide nach oben bewegt.</a:t>
-            </a:r>
+            <a:endParaRPr lang="de-CH" dirty="0"/>
           </a:p>
         </p:txBody>
       </p:sp>
@@ -6767,26 +6510,7 @@
           <a:bodyPr/>
           <a:lstStyle/>
           <a:p>
-            <a:r>
-              <a:rPr lang="de-CH" dirty="0"/>
-              <a:t>Das BAG veröffentlicht Jährlich einen Katalog von Medizinischen Engriffen. </a:t>
-            </a:r>
-            <a:r>
-              <a:rPr lang="de-CH" dirty="0" err="1"/>
-              <a:t>SwissDRG</a:t>
-            </a:r>
-            <a:r>
-              <a:rPr lang="de-CH" dirty="0"/>
-              <a:t> muss die Unterschiede zum vorherigen Jahr finden. Dazu erhalten sie ein inkomplettes </a:t>
-            </a:r>
-            <a:r>
-              <a:rPr lang="de-CH" dirty="0" err="1"/>
-              <a:t>überleitungsfile</a:t>
-            </a:r>
-            <a:r>
-              <a:rPr lang="de-CH" dirty="0"/>
-              <a:t>. Unsere Aufgabe war es nun diese Änderungen in einer Webapp darzustellen, sodass sie auch kommentiert werden können.</a:t>
-            </a:r>
+            <a:endParaRPr lang="de-CH" dirty="0"/>
           </a:p>
         </p:txBody>
       </p:sp>
@@ -6954,58 +6678,7 @@
           <a:bodyPr/>
           <a:lstStyle/>
           <a:p>
-            <a:r>
-              <a:rPr lang="de-CH" dirty="0"/>
-              <a:t>Da unser Team noch nicht sehr erfahren im Bereich </a:t>
-            </a:r>
-            <a:r>
-              <a:rPr lang="de-CH" dirty="0" err="1"/>
-              <a:t>Testing</a:t>
-            </a:r>
-            <a:r>
-              <a:rPr lang="de-CH" dirty="0"/>
-              <a:t> wahr, nahmen wir dafür die Beratung von </a:t>
-            </a:r>
-            <a:r>
-              <a:rPr lang="de-CH" dirty="0" err="1"/>
-              <a:t>zühlke</a:t>
-            </a:r>
-            <a:r>
-              <a:rPr lang="de-CH" dirty="0"/>
-              <a:t> in Anspruch. Dabei haben wir gelernt, wann wir welche Tests machen sollen und unter anderem diese </a:t>
-            </a:r>
-            <a:r>
-              <a:rPr lang="de-CH" dirty="0" err="1"/>
-              <a:t>Testingpyrmide</a:t>
-            </a:r>
-            <a:r>
-              <a:rPr lang="de-CH" dirty="0"/>
-              <a:t> nachhause genommen. In der </a:t>
-            </a:r>
-            <a:r>
-              <a:rPr lang="de-CH" dirty="0" err="1"/>
-              <a:t>Testingpyramide</a:t>
-            </a:r>
-            <a:r>
-              <a:rPr lang="de-CH" dirty="0"/>
-              <a:t> sind verschiedene Arten des Tests aufeinandergestapelt. Dabei sind sie nach Integration und Isolation sortiert. Je stärker die Tests ein Zusammenarbeiten von mehreren Komponenten benötigen, desto höher sind sie angesiedelt. Das Führt dazu, das Tests die hoch in der Pyramide sind, </a:t>
-            </a:r>
-            <a:r>
-              <a:rPr lang="de-CH" dirty="0" err="1"/>
-              <a:t>afwändiger</a:t>
-            </a:r>
-            <a:r>
-              <a:rPr lang="de-CH" dirty="0"/>
-              <a:t> zu implementieren sind, da viel Konfiguration notwendig ist. Währenddem bei einem Gescheiterten E2E Test oft aufwändiges Debuggen notwendig ist um die unterliegende Fehlerquelle zu entdecken, zeigen gescheiterte Unittests sehr genau auf den Fehlerhaften Komponenten. Die Unteren Stufen der Pyramide sind darum die Tief hängenden Früchte für </a:t>
-            </a:r>
-            <a:r>
-              <a:rPr lang="de-CH" dirty="0" err="1"/>
-              <a:t>Testings</a:t>
-            </a:r>
-            <a:r>
-              <a:rPr lang="de-CH" dirty="0"/>
-              <a:t> und wir haben als Team einen starken Fokus darauf gelegt.</a:t>
-            </a:r>
+            <a:endParaRPr lang="de-CH" dirty="0"/>
           </a:p>
         </p:txBody>
       </p:sp>
@@ -7173,30 +6846,7 @@
           <a:bodyPr/>
           <a:lstStyle/>
           <a:p>
-            <a:r>
-              <a:rPr lang="de-CH" dirty="0" err="1"/>
-              <a:t>Rspec</a:t>
-            </a:r>
-            <a:r>
-              <a:rPr lang="de-CH" dirty="0"/>
-              <a:t> ist nicht die </a:t>
-            </a:r>
-            <a:r>
-              <a:rPr lang="de-CH" dirty="0" err="1"/>
-              <a:t>Standarttesting</a:t>
-            </a:r>
-            <a:r>
-              <a:rPr lang="de-CH" dirty="0"/>
-              <a:t> </a:t>
-            </a:r>
-            <a:r>
-              <a:rPr lang="de-CH" dirty="0" err="1"/>
-              <a:t>library</a:t>
-            </a:r>
-            <a:r>
-              <a:rPr lang="de-CH" dirty="0"/>
-              <a:t> für Ruby, wird aber sehr oft dafür verwendet.</a:t>
-            </a:r>
+            <a:endParaRPr lang="de-CH" dirty="0"/>
           </a:p>
         </p:txBody>
       </p:sp>
@@ -7282,7 +6932,7 @@
           <a:p>
             <a:r>
               <a:rPr lang="de-CH" dirty="0"/>
-              <a:t>In TDD werden zuerst alle Tests definiert, welche die Software erfüllen muss. Werden diese Tests erfüllt, kann sichergestellt werden, dass das Programm so funktioniert wie es soll. In BDD dagegen, wird zuerst festgestellt, welches Verhalten gewünscht wird und dann danach Programmiert. Die Beiden Methoden schliessen sich gegenseitig nicht aus und werden oft gleichzeitig verwendet.</a:t>
+              <a:t>und werden oft gleichzeitig verwendet.</a:t>
             </a:r>
           </a:p>
         </p:txBody>
@@ -7367,722 +7017,6 @@
           <a:bodyPr/>
           <a:lstStyle/>
           <a:p>
-            <a:r>
-              <a:rPr lang="en-US" dirty="0" err="1"/>
-              <a:t>Hier</a:t>
-            </a:r>
-            <a:r>
-              <a:rPr lang="en-US" dirty="0"/>
-              <a:t> </a:t>
-            </a:r>
-            <a:r>
-              <a:rPr lang="en-US" dirty="0" err="1"/>
-              <a:t>habe</a:t>
-            </a:r>
-            <a:r>
-              <a:rPr lang="en-US" dirty="0"/>
-              <a:t> ich </a:t>
-            </a:r>
-            <a:r>
-              <a:rPr lang="en-US" dirty="0" err="1"/>
-              <a:t>jetz</a:t>
-            </a:r>
-            <a:r>
-              <a:rPr lang="en-US" dirty="0"/>
-              <a:t> </a:t>
-            </a:r>
-            <a:r>
-              <a:rPr lang="en-US" dirty="0" err="1"/>
-              <a:t>ein</a:t>
-            </a:r>
-            <a:r>
-              <a:rPr lang="en-US" dirty="0"/>
-              <a:t> </a:t>
-            </a:r>
-            <a:r>
-              <a:rPr lang="en-US" dirty="0" err="1"/>
-              <a:t>Schnipsel</a:t>
-            </a:r>
-            <a:r>
-              <a:rPr lang="en-US" dirty="0"/>
-              <a:t> </a:t>
-            </a:r>
-            <a:r>
-              <a:rPr lang="en-US" dirty="0" err="1"/>
-              <a:t>unserer</a:t>
-            </a:r>
-            <a:r>
-              <a:rPr lang="en-US" dirty="0"/>
-              <a:t> Tests </a:t>
-            </a:r>
-            <a:r>
-              <a:rPr lang="en-US" dirty="0" err="1"/>
-              <a:t>mitgebracht</a:t>
-            </a:r>
-            <a:r>
-              <a:rPr lang="en-US" dirty="0"/>
-              <a:t>. </a:t>
-            </a:r>
-            <a:r>
-              <a:rPr lang="en-US" dirty="0" err="1"/>
-              <a:t>Hier</a:t>
-            </a:r>
-            <a:r>
-              <a:rPr lang="en-US" dirty="0"/>
-              <a:t> </a:t>
-            </a:r>
-            <a:r>
-              <a:rPr lang="en-US" dirty="0" err="1"/>
-              <a:t>Testen</a:t>
-            </a:r>
-            <a:r>
-              <a:rPr lang="en-US" dirty="0"/>
-              <a:t> wir </a:t>
-            </a:r>
-            <a:r>
-              <a:rPr lang="en-US" dirty="0" err="1"/>
-              <a:t>einen</a:t>
-            </a:r>
-            <a:r>
-              <a:rPr lang="en-US" dirty="0"/>
-              <a:t> </a:t>
-            </a:r>
-            <a:r>
-              <a:rPr lang="en-US" dirty="0" err="1"/>
-              <a:t>Katalog</a:t>
-            </a:r>
-            <a:r>
-              <a:rPr lang="en-US" dirty="0"/>
-              <a:t>, das </a:t>
-            </a:r>
-            <a:r>
-              <a:rPr lang="en-US" dirty="0" err="1"/>
-              <a:t>ist</a:t>
-            </a:r>
-            <a:r>
-              <a:rPr lang="en-US" dirty="0"/>
-              <a:t> </a:t>
-            </a:r>
-            <a:r>
-              <a:rPr lang="en-US" dirty="0" err="1"/>
-              <a:t>bei</a:t>
-            </a:r>
-            <a:r>
-              <a:rPr lang="en-US" dirty="0"/>
-              <a:t> </a:t>
-            </a:r>
-            <a:r>
-              <a:rPr lang="en-US" dirty="0" err="1"/>
-              <a:t>uns</a:t>
-            </a:r>
-            <a:r>
-              <a:rPr lang="en-US" dirty="0"/>
-              <a:t> </a:t>
-            </a:r>
-            <a:r>
-              <a:rPr lang="en-US" dirty="0" err="1"/>
-              <a:t>ein</a:t>
-            </a:r>
-            <a:r>
-              <a:rPr lang="en-US" dirty="0"/>
-              <a:t> </a:t>
-            </a:r>
-            <a:r>
-              <a:rPr lang="en-US" dirty="0" err="1"/>
-              <a:t>Objekt</a:t>
-            </a:r>
-            <a:r>
-              <a:rPr lang="en-US" dirty="0"/>
-              <a:t>, welches </a:t>
-            </a:r>
-            <a:r>
-              <a:rPr lang="en-US" dirty="0" err="1"/>
-              <a:t>dann</a:t>
-            </a:r>
-            <a:r>
-              <a:rPr lang="en-US" dirty="0"/>
-              <a:t> alle </a:t>
-            </a:r>
-            <a:r>
-              <a:rPr lang="en-US" dirty="0" err="1"/>
-              <a:t>möglichen</a:t>
-            </a:r>
-            <a:r>
-              <a:rPr lang="en-US" dirty="0"/>
-              <a:t> chops dieses </a:t>
-            </a:r>
-            <a:r>
-              <a:rPr lang="en-US" dirty="0" err="1"/>
-              <a:t>Jahres</a:t>
-            </a:r>
-            <a:r>
-              <a:rPr lang="en-US" dirty="0"/>
-              <a:t> </a:t>
-            </a:r>
-            <a:r>
-              <a:rPr lang="en-US" dirty="0" err="1"/>
-              <a:t>besitzt</a:t>
-            </a:r>
-            <a:r>
-              <a:rPr lang="en-US" dirty="0"/>
-              <a:t>. Es </a:t>
-            </a:r>
-            <a:r>
-              <a:rPr lang="en-US" dirty="0" err="1"/>
-              <a:t>Fällt</a:t>
-            </a:r>
-            <a:r>
-              <a:rPr lang="en-US" dirty="0"/>
-              <a:t> auf, </a:t>
-            </a:r>
-            <a:r>
-              <a:rPr lang="en-US" dirty="0" err="1"/>
-              <a:t>dass</a:t>
-            </a:r>
-            <a:r>
-              <a:rPr lang="en-US" dirty="0"/>
-              <a:t> wir in </a:t>
-            </a:r>
-            <a:r>
-              <a:rPr lang="en-US" dirty="0" err="1"/>
-              <a:t>Rspec</a:t>
-            </a:r>
-            <a:r>
-              <a:rPr lang="en-US" dirty="0"/>
-              <a:t> das object </a:t>
-            </a:r>
-            <a:r>
-              <a:rPr lang="en-US" dirty="0" err="1"/>
-              <a:t>beschreiben</a:t>
-            </a:r>
-            <a:r>
-              <a:rPr lang="en-US" dirty="0"/>
-              <a:t>. </a:t>
-            </a:r>
-            <a:r>
-              <a:rPr lang="en-US" dirty="0" err="1"/>
-              <a:t>Danach</a:t>
-            </a:r>
-            <a:r>
-              <a:rPr lang="en-US" dirty="0"/>
-              <a:t> </a:t>
-            </a:r>
-            <a:r>
-              <a:rPr lang="en-US" dirty="0" err="1"/>
-              <a:t>geben</a:t>
-            </a:r>
-            <a:r>
-              <a:rPr lang="en-US" dirty="0"/>
-              <a:t> wir dem Test </a:t>
-            </a:r>
-            <a:r>
-              <a:rPr lang="en-US" dirty="0" err="1"/>
-              <a:t>einen</a:t>
-            </a:r>
-            <a:r>
-              <a:rPr lang="en-US" dirty="0"/>
-              <a:t> </a:t>
-            </a:r>
-            <a:r>
-              <a:rPr lang="en-US" dirty="0" err="1"/>
-              <a:t>Namen</a:t>
-            </a:r>
-            <a:r>
-              <a:rPr lang="en-US" dirty="0"/>
-              <a:t> der </a:t>
-            </a:r>
-            <a:r>
-              <a:rPr lang="en-US" dirty="0" err="1"/>
-              <a:t>auch</a:t>
-            </a:r>
-            <a:r>
-              <a:rPr lang="en-US" dirty="0"/>
-              <a:t> </a:t>
-            </a:r>
-            <a:r>
-              <a:rPr lang="en-US" dirty="0" err="1"/>
-              <a:t>gerade</a:t>
-            </a:r>
-            <a:r>
-              <a:rPr lang="en-US" dirty="0"/>
-              <a:t> </a:t>
-            </a:r>
-            <a:r>
-              <a:rPr lang="en-US" dirty="0" err="1"/>
-              <a:t>aussagt</a:t>
-            </a:r>
-            <a:r>
-              <a:rPr lang="en-US" dirty="0"/>
-              <a:t> was </a:t>
-            </a:r>
-            <a:r>
-              <a:rPr lang="en-US" dirty="0" err="1"/>
-              <a:t>getestet</a:t>
-            </a:r>
-            <a:r>
-              <a:rPr lang="en-US" dirty="0"/>
-              <a:t> wird. Dann </a:t>
-            </a:r>
-            <a:r>
-              <a:rPr lang="en-US" dirty="0" err="1"/>
-              <a:t>kommt</a:t>
-            </a:r>
-            <a:r>
-              <a:rPr lang="en-US" dirty="0"/>
-              <a:t> der </a:t>
-            </a:r>
-            <a:r>
-              <a:rPr lang="en-US" dirty="0" err="1"/>
-              <a:t>Eigentliche</a:t>
-            </a:r>
-            <a:r>
-              <a:rPr lang="en-US" dirty="0"/>
-              <a:t> Test, es wird </a:t>
-            </a:r>
-            <a:r>
-              <a:rPr lang="en-US" dirty="0" err="1"/>
-              <a:t>ein</a:t>
-            </a:r>
-            <a:r>
-              <a:rPr lang="en-US" dirty="0"/>
-              <a:t> </a:t>
-            </a:r>
-            <a:r>
-              <a:rPr lang="en-US" dirty="0" err="1"/>
-              <a:t>neuer</a:t>
-            </a:r>
-            <a:r>
-              <a:rPr lang="en-US" dirty="0"/>
-              <a:t> </a:t>
-            </a:r>
-            <a:r>
-              <a:rPr lang="en-US" dirty="0" err="1"/>
-              <a:t>Katalog</a:t>
-            </a:r>
-            <a:r>
-              <a:rPr lang="en-US" dirty="0"/>
-              <a:t> </a:t>
-            </a:r>
-            <a:r>
-              <a:rPr lang="en-US" dirty="0" err="1"/>
-              <a:t>ohne</a:t>
-            </a:r>
-            <a:r>
-              <a:rPr lang="en-US" dirty="0"/>
-              <a:t> </a:t>
-            </a:r>
-            <a:r>
-              <a:rPr lang="en-US" dirty="0" err="1"/>
-              <a:t>Jahr</a:t>
-            </a:r>
-            <a:r>
-              <a:rPr lang="en-US" dirty="0"/>
-              <a:t> </a:t>
-            </a:r>
-            <a:r>
-              <a:rPr lang="en-US" dirty="0" err="1"/>
-              <a:t>gebildet</a:t>
-            </a:r>
-            <a:r>
-              <a:rPr lang="en-US" dirty="0"/>
-              <a:t> und wir </a:t>
-            </a:r>
-            <a:r>
-              <a:rPr lang="en-US" dirty="0" err="1"/>
-              <a:t>erwarten</a:t>
-            </a:r>
-            <a:r>
-              <a:rPr lang="en-US" dirty="0"/>
-              <a:t> nun </a:t>
-            </a:r>
-            <a:r>
-              <a:rPr lang="en-US" dirty="0" err="1"/>
-              <a:t>dass</a:t>
-            </a:r>
-            <a:r>
-              <a:rPr lang="en-US" dirty="0"/>
-              <a:t> </a:t>
-            </a:r>
-            <a:r>
-              <a:rPr lang="en-US" dirty="0" err="1"/>
-              <a:t>dieser</a:t>
-            </a:r>
-            <a:r>
-              <a:rPr lang="en-US" dirty="0"/>
-              <a:t> nicht </a:t>
-            </a:r>
-            <a:r>
-              <a:rPr lang="en-US" dirty="0" err="1"/>
-              <a:t>gültig</a:t>
-            </a:r>
-            <a:r>
-              <a:rPr lang="en-US" dirty="0"/>
-              <a:t> </a:t>
-            </a:r>
-            <a:r>
-              <a:rPr lang="en-US" dirty="0" err="1"/>
-              <a:t>ist</a:t>
-            </a:r>
-            <a:r>
-              <a:rPr lang="en-US" dirty="0"/>
-              <a:t>. Die </a:t>
-            </a:r>
-            <a:r>
-              <a:rPr lang="en-US" dirty="0" err="1"/>
-              <a:t>Sprache</a:t>
-            </a:r>
-            <a:r>
-              <a:rPr lang="en-US" dirty="0"/>
-              <a:t> die wir </a:t>
-            </a:r>
-            <a:r>
-              <a:rPr lang="en-US" dirty="0" err="1"/>
-              <a:t>dafür</a:t>
-            </a:r>
-            <a:r>
-              <a:rPr lang="en-US" dirty="0"/>
-              <a:t> </a:t>
-            </a:r>
-            <a:r>
-              <a:rPr lang="en-US" dirty="0" err="1"/>
-              <a:t>verwenden</a:t>
-            </a:r>
-            <a:r>
-              <a:rPr lang="en-US" dirty="0"/>
-              <a:t> </a:t>
-            </a:r>
-            <a:r>
-              <a:rPr lang="en-US" dirty="0" err="1"/>
-              <a:t>ist</a:t>
-            </a:r>
-            <a:r>
-              <a:rPr lang="en-US" dirty="0"/>
-              <a:t> </a:t>
-            </a:r>
-            <a:r>
-              <a:rPr lang="en-US" dirty="0" err="1"/>
-              <a:t>sehr</a:t>
-            </a:r>
-            <a:r>
-              <a:rPr lang="en-US" dirty="0"/>
-              <a:t> </a:t>
-            </a:r>
-            <a:r>
-              <a:rPr lang="en-US" dirty="0" err="1"/>
-              <a:t>nahe</a:t>
-            </a:r>
-            <a:r>
-              <a:rPr lang="en-US" dirty="0"/>
-              <a:t> an der </a:t>
-            </a:r>
-            <a:r>
-              <a:rPr lang="en-US" dirty="0" err="1"/>
-              <a:t>Natürlichen</a:t>
-            </a:r>
-            <a:r>
-              <a:rPr lang="en-US" dirty="0"/>
-              <a:t> </a:t>
-            </a:r>
-            <a:r>
-              <a:rPr lang="en-US" dirty="0" err="1"/>
-              <a:t>englischen</a:t>
-            </a:r>
-            <a:r>
-              <a:rPr lang="en-US" dirty="0"/>
-              <a:t> </a:t>
-            </a:r>
-            <a:r>
-              <a:rPr lang="en-US" dirty="0" err="1"/>
-              <a:t>Sprache</a:t>
-            </a:r>
-            <a:r>
-              <a:rPr lang="en-US" dirty="0"/>
-              <a:t>. Wird der Test </a:t>
-            </a:r>
-            <a:r>
-              <a:rPr lang="en-US" dirty="0" err="1"/>
-              <a:t>korrekt</a:t>
-            </a:r>
-            <a:r>
-              <a:rPr lang="en-US" dirty="0"/>
-              <a:t> </a:t>
-            </a:r>
-            <a:r>
-              <a:rPr lang="en-US" dirty="0" err="1"/>
-              <a:t>ausgeführt</a:t>
-            </a:r>
-            <a:r>
-              <a:rPr lang="en-US" dirty="0"/>
-              <a:t>, </a:t>
-            </a:r>
-            <a:r>
-              <a:rPr lang="en-US" dirty="0" err="1"/>
-              <a:t>merkt</a:t>
-            </a:r>
-            <a:r>
-              <a:rPr lang="en-US" dirty="0"/>
-              <a:t> man nicht </a:t>
-            </a:r>
-            <a:r>
-              <a:rPr lang="en-US" dirty="0" err="1"/>
-              <a:t>sehr</a:t>
-            </a:r>
-            <a:r>
-              <a:rPr lang="en-US" dirty="0"/>
-              <a:t> viel </a:t>
-            </a:r>
-            <a:r>
-              <a:rPr lang="en-US" dirty="0" err="1"/>
-              <a:t>davon</a:t>
-            </a:r>
-            <a:r>
-              <a:rPr lang="en-US" dirty="0"/>
-              <a:t>, </a:t>
-            </a:r>
-            <a:r>
-              <a:rPr lang="en-US" dirty="0" err="1"/>
-              <a:t>interessanter</a:t>
-            </a:r>
-            <a:r>
-              <a:rPr lang="en-US" dirty="0"/>
-              <a:t> wird es </a:t>
-            </a:r>
-            <a:r>
-              <a:rPr lang="en-US" dirty="0" err="1"/>
-              <a:t>jedoch</a:t>
-            </a:r>
-            <a:r>
-              <a:rPr lang="en-US" dirty="0"/>
-              <a:t>, </a:t>
-            </a:r>
-            <a:r>
-              <a:rPr lang="en-US" dirty="0" err="1"/>
-              <a:t>wenn</a:t>
-            </a:r>
-            <a:r>
-              <a:rPr lang="en-US" dirty="0"/>
-              <a:t> es </a:t>
-            </a:r>
-            <a:r>
-              <a:rPr lang="en-US" dirty="0" err="1"/>
-              <a:t>einen</a:t>
-            </a:r>
-            <a:r>
-              <a:rPr lang="en-US" dirty="0"/>
-              <a:t> </a:t>
-            </a:r>
-            <a:r>
-              <a:rPr lang="en-US" dirty="0" err="1"/>
-              <a:t>Fehler</a:t>
-            </a:r>
-            <a:r>
-              <a:rPr lang="en-US" dirty="0"/>
-              <a:t> </a:t>
-            </a:r>
-            <a:r>
-              <a:rPr lang="en-US" dirty="0" err="1"/>
-              <a:t>gibt</a:t>
-            </a:r>
-            <a:r>
-              <a:rPr lang="en-US" dirty="0"/>
-              <a:t>. </a:t>
-            </a:r>
-            <a:r>
-              <a:rPr lang="en-US" dirty="0" err="1"/>
-              <a:t>Rspec</a:t>
-            </a:r>
-            <a:r>
-              <a:rPr lang="en-US" dirty="0"/>
-              <a:t> </a:t>
-            </a:r>
-            <a:r>
-              <a:rPr lang="en-US" dirty="0" err="1"/>
-              <a:t>gibt</a:t>
-            </a:r>
-            <a:r>
-              <a:rPr lang="en-US" dirty="0"/>
-              <a:t> nun an, </a:t>
-            </a:r>
-            <a:r>
-              <a:rPr lang="en-US" dirty="0" err="1"/>
-              <a:t>welcher</a:t>
-            </a:r>
-            <a:r>
-              <a:rPr lang="en-US" dirty="0"/>
-              <a:t> Test </a:t>
-            </a:r>
-            <a:r>
-              <a:rPr lang="en-US" dirty="0" err="1"/>
-              <a:t>gescheiter</a:t>
-            </a:r>
-            <a:r>
-              <a:rPr lang="en-US" dirty="0"/>
-              <a:t> </a:t>
-            </a:r>
-            <a:r>
-              <a:rPr lang="en-US" dirty="0" err="1"/>
-              <a:t>ist</a:t>
-            </a:r>
-            <a:r>
-              <a:rPr lang="en-US" dirty="0"/>
-              <a:t>. </a:t>
-            </a:r>
-            <a:r>
-              <a:rPr lang="en-US" dirty="0" err="1"/>
-              <a:t>Dabei</a:t>
-            </a:r>
-            <a:r>
-              <a:rPr lang="en-US" dirty="0"/>
-              <a:t> </a:t>
-            </a:r>
-            <a:r>
-              <a:rPr lang="en-US" dirty="0" err="1"/>
-              <a:t>ist</a:t>
-            </a:r>
-            <a:r>
-              <a:rPr lang="en-US" dirty="0"/>
-              <a:t> der Name </a:t>
-            </a:r>
-            <a:r>
-              <a:rPr lang="en-US" dirty="0" err="1"/>
-              <a:t>automatisch</a:t>
-            </a:r>
-            <a:r>
-              <a:rPr lang="en-US" dirty="0"/>
-              <a:t>  </a:t>
-            </a:r>
-            <a:r>
-              <a:rPr lang="en-US" dirty="0" err="1"/>
-              <a:t>zusammengesetzt</a:t>
-            </a:r>
-            <a:r>
-              <a:rPr lang="en-US" dirty="0"/>
-              <a:t> </a:t>
-            </a:r>
-            <a:r>
-              <a:rPr lang="en-US" dirty="0" err="1"/>
-              <a:t>aus</a:t>
-            </a:r>
-            <a:r>
-              <a:rPr lang="en-US" dirty="0"/>
-              <a:t> dem Modell und dem Text den wir </a:t>
-            </a:r>
-            <a:r>
-              <a:rPr lang="en-US" dirty="0" err="1"/>
-              <a:t>eingegen</a:t>
-            </a:r>
-            <a:r>
-              <a:rPr lang="en-US" dirty="0"/>
-              <a:t> haben. </a:t>
-            </a:r>
-            <a:r>
-              <a:rPr lang="en-US" dirty="0" err="1"/>
-              <a:t>Darunter</a:t>
-            </a:r>
-            <a:r>
-              <a:rPr lang="en-US" dirty="0"/>
-              <a:t> </a:t>
-            </a:r>
-            <a:r>
-              <a:rPr lang="en-US" dirty="0" err="1"/>
-              <a:t>kommt</a:t>
-            </a:r>
-            <a:r>
-              <a:rPr lang="en-US" dirty="0"/>
-              <a:t> nun in relative </a:t>
-            </a:r>
-            <a:r>
-              <a:rPr lang="en-US" dirty="0" err="1"/>
-              <a:t>natürlicher</a:t>
-            </a:r>
-            <a:r>
-              <a:rPr lang="en-US" dirty="0"/>
-              <a:t> </a:t>
-            </a:r>
-            <a:r>
-              <a:rPr lang="en-US" dirty="0" err="1"/>
-              <a:t>Englischer</a:t>
-            </a:r>
-            <a:r>
-              <a:rPr lang="en-US" dirty="0"/>
-              <a:t> </a:t>
-            </a:r>
-            <a:r>
-              <a:rPr lang="en-US" dirty="0" err="1"/>
-              <a:t>sprache</a:t>
-            </a:r>
-            <a:r>
-              <a:rPr lang="en-US" dirty="0"/>
-              <a:t> was </a:t>
-            </a:r>
-            <a:r>
-              <a:rPr lang="en-US" dirty="0" err="1"/>
-              <a:t>genau</a:t>
-            </a:r>
-            <a:r>
-              <a:rPr lang="en-US" dirty="0"/>
-              <a:t> </a:t>
-            </a:r>
-            <a:r>
-              <a:rPr lang="en-US" dirty="0" err="1"/>
-              <a:t>gescheitert</a:t>
-            </a:r>
-            <a:r>
-              <a:rPr lang="en-US" dirty="0"/>
-              <a:t> </a:t>
-            </a:r>
-            <a:r>
-              <a:rPr lang="en-US" dirty="0" err="1"/>
-              <a:t>ist</a:t>
-            </a:r>
-            <a:r>
-              <a:rPr lang="en-US" dirty="0"/>
-              <a:t>. </a:t>
-            </a:r>
-            <a:r>
-              <a:rPr lang="en-US" dirty="0" err="1"/>
-              <a:t>Diese</a:t>
-            </a:r>
-            <a:r>
-              <a:rPr lang="en-US" dirty="0"/>
-              <a:t> </a:t>
-            </a:r>
-            <a:r>
-              <a:rPr lang="en-US" dirty="0" err="1"/>
-              <a:t>Meldungen</a:t>
-            </a:r>
-            <a:r>
-              <a:rPr lang="en-US" dirty="0"/>
-              <a:t> </a:t>
-            </a:r>
-            <a:r>
-              <a:rPr lang="en-US" dirty="0" err="1"/>
-              <a:t>sind</a:t>
-            </a:r>
-            <a:r>
-              <a:rPr lang="en-US" dirty="0"/>
-              <a:t> </a:t>
-            </a:r>
-            <a:r>
-              <a:rPr lang="en-US" dirty="0" err="1"/>
-              <a:t>sehr</a:t>
-            </a:r>
-            <a:r>
-              <a:rPr lang="en-US" dirty="0"/>
-              <a:t> </a:t>
-            </a:r>
-            <a:r>
-              <a:rPr lang="en-US" dirty="0" err="1"/>
-              <a:t>leicht</a:t>
-            </a:r>
-            <a:r>
-              <a:rPr lang="en-US" dirty="0"/>
-              <a:t> </a:t>
-            </a:r>
-            <a:r>
-              <a:rPr lang="en-US" dirty="0" err="1"/>
-              <a:t>verständlich</a:t>
-            </a:r>
             <a:endParaRPr lang="en-CH" dirty="0"/>
           </a:p>
         </p:txBody>
@@ -8351,7 +7285,7 @@
           <a:p>
             <a:fld id="{F928947A-F055-4405-926F-B192ACD903BD}" type="datetimeFigureOut">
               <a:rPr lang="de-CH" smtClean="0"/>
-              <a:t>10.05.2022</a:t>
+              <a:t>11.05.2022</a:t>
             </a:fld>
             <a:endParaRPr lang="de-CH"/>
           </a:p>
@@ -8559,7 +7493,7 @@
           <a:p>
             <a:fld id="{F928947A-F055-4405-926F-B192ACD903BD}" type="datetimeFigureOut">
               <a:rPr lang="de-CH" smtClean="0"/>
-              <a:t>10.05.2022</a:t>
+              <a:t>11.05.2022</a:t>
             </a:fld>
             <a:endParaRPr lang="de-CH"/>
           </a:p>
@@ -8817,7 +7751,7 @@
           <a:p>
             <a:fld id="{F928947A-F055-4405-926F-B192ACD903BD}" type="datetimeFigureOut">
               <a:rPr lang="de-CH" smtClean="0"/>
-              <a:t>10.05.2022</a:t>
+              <a:t>11.05.2022</a:t>
             </a:fld>
             <a:endParaRPr lang="de-CH"/>
           </a:p>
@@ -8987,7 +7921,7 @@
           <a:p>
             <a:fld id="{F928947A-F055-4405-926F-B192ACD903BD}" type="datetimeFigureOut">
               <a:rPr lang="de-CH" smtClean="0"/>
-              <a:t>10.05.2022</a:t>
+              <a:t>11.05.2022</a:t>
             </a:fld>
             <a:endParaRPr lang="de-CH"/>
           </a:p>
@@ -9324,7 +8258,7 @@
           <a:p>
             <a:fld id="{F928947A-F055-4405-926F-B192ACD903BD}" type="datetimeFigureOut">
               <a:rPr lang="de-CH" smtClean="0"/>
-              <a:t>10.05.2022</a:t>
+              <a:t>11.05.2022</a:t>
             </a:fld>
             <a:endParaRPr lang="de-CH"/>
           </a:p>
@@ -9599,7 +8533,7 @@
           <a:p>
             <a:fld id="{F928947A-F055-4405-926F-B192ACD903BD}" type="datetimeFigureOut">
               <a:rPr lang="de-CH" smtClean="0"/>
-              <a:t>10.05.2022</a:t>
+              <a:t>11.05.2022</a:t>
             </a:fld>
             <a:endParaRPr lang="de-CH"/>
           </a:p>
@@ -9978,7 +8912,7 @@
           <a:p>
             <a:fld id="{F928947A-F055-4405-926F-B192ACD903BD}" type="datetimeFigureOut">
               <a:rPr lang="de-CH" smtClean="0"/>
-              <a:t>10.05.2022</a:t>
+              <a:t>11.05.2022</a:t>
             </a:fld>
             <a:endParaRPr lang="de-CH"/>
           </a:p>
@@ -10096,7 +9030,7 @@
           <a:p>
             <a:fld id="{F928947A-F055-4405-926F-B192ACD903BD}" type="datetimeFigureOut">
               <a:rPr lang="de-CH" smtClean="0"/>
-              <a:t>10.05.2022</a:t>
+              <a:t>11.05.2022</a:t>
             </a:fld>
             <a:endParaRPr lang="de-CH"/>
           </a:p>
@@ -10269,7 +9203,7 @@
           <a:p>
             <a:fld id="{F928947A-F055-4405-926F-B192ACD903BD}" type="datetimeFigureOut">
               <a:rPr lang="de-CH" smtClean="0"/>
-              <a:t>10.05.2022</a:t>
+              <a:t>11.05.2022</a:t>
             </a:fld>
             <a:endParaRPr lang="de-CH"/>
           </a:p>
@@ -10625,7 +9559,7 @@
           <a:p>
             <a:fld id="{F928947A-F055-4405-926F-B192ACD903BD}" type="datetimeFigureOut">
               <a:rPr lang="de-CH" smtClean="0"/>
-              <a:t>10.05.2022</a:t>
+              <a:t>11.05.2022</a:t>
             </a:fld>
             <a:endParaRPr lang="de-CH"/>
           </a:p>
@@ -11004,7 +9938,7 @@
           <a:p>
             <a:fld id="{F928947A-F055-4405-926F-B192ACD903BD}" type="datetimeFigureOut">
               <a:rPr lang="de-CH" smtClean="0"/>
-              <a:t>10.05.2022</a:t>
+              <a:t>11.05.2022</a:t>
             </a:fld>
             <a:endParaRPr lang="de-CH"/>
           </a:p>
@@ -11293,7 +10227,7 @@
           <a:p>
             <a:fld id="{F928947A-F055-4405-926F-B192ACD903BD}" type="datetimeFigureOut">
               <a:rPr lang="de-CH" smtClean="0"/>
-              <a:t>10.05.2022</a:t>
+              <a:t>11.05.2022</a:t>
             </a:fld>
             <a:endParaRPr lang="de-CH"/>
           </a:p>
@@ -13803,7 +12737,7 @@
             <a:pPr lvl="1"/>
             <a:r>
               <a:rPr lang="de-CH" sz="4000" dirty="0"/>
-              <a:t>Sehr Aufwändig</a:t>
+              <a:t>Sehr aufwändig</a:t>
             </a:r>
           </a:p>
           <a:p>
@@ -14005,7 +12939,7 @@
             </a:r>
             <a:r>
               <a:rPr lang="en-US" dirty="0" err="1"/>
-              <a:t>Filtern</a:t>
+              <a:t>filtern</a:t>
             </a:r>
             <a:endParaRPr lang="en-CH" dirty="0"/>
           </a:p>
@@ -16597,8 +15531,8 @@
               <a:t>«</a:t>
             </a:r>
             <a:r>
-              <a:rPr lang="de-CH" sz="2800" dirty="0" err="1"/>
-              <a:t>Behvior-driven</a:t>
+              <a:rPr lang="de-CH" sz="2800"/>
+              <a:t>Behavior-driven</a:t>
             </a:r>
             <a:r>
               <a:rPr lang="de-CH" sz="2800" dirty="0"/>
@@ -16842,7 +15776,7 @@
             <a:pPr lvl="1"/>
             <a:r>
               <a:rPr lang="de-CH" sz="4000" dirty="0"/>
-              <a:t> In TDD wird zuerst ein Test geschrieben, dann wird Codegeschrieben</a:t>
+              <a:t> In TDD wird zuerst ein Test geschrieben, dann wird Code geschrieben</a:t>
             </a:r>
           </a:p>
           <a:p>
